--- a/MARKIME.pptx
+++ b/MARKIME.pptx
@@ -7,6 +7,9 @@
   <p:sldIdLst>
     <p:sldId id="256" r:id="rId2"/>
     <p:sldId id="257" r:id="rId3"/>
+    <p:sldId id="258" r:id="rId4"/>
+    <p:sldId id="259" r:id="rId5"/>
+    <p:sldId id="260" r:id="rId6"/>
   </p:sldIdLst>
   <p:sldSz cx="9144000" cy="6858000" type="screen4x3"/>
   <p:notesSz cx="6858000" cy="9144000"/>
@@ -289,6 +292,7 @@
           <a:p>
             <a:fld id="{8AEB9755-F382-4202-8C55-D1BAF1E3A26B}" type="datetimeFigureOut">
               <a:rPr lang="pt-BR" smtClean="0"/>
+              <a:pPr/>
               <a:t>31/03/2014</a:t>
             </a:fld>
             <a:endParaRPr lang="pt-BR"/>
@@ -331,6 +335,7 @@
           <a:p>
             <a:fld id="{F7066CC2-678E-4E0D-AD7C-1B37B038EC65}" type="slidenum">
               <a:rPr lang="pt-BR" smtClean="0"/>
+              <a:pPr/>
               <a:t>‹nº›</a:t>
             </a:fld>
             <a:endParaRPr lang="pt-BR"/>
@@ -454,6 +459,7 @@
           <a:p>
             <a:fld id="{8AEB9755-F382-4202-8C55-D1BAF1E3A26B}" type="datetimeFigureOut">
               <a:rPr lang="pt-BR" smtClean="0"/>
+              <a:pPr/>
               <a:t>31/03/2014</a:t>
             </a:fld>
             <a:endParaRPr lang="pt-BR"/>
@@ -496,6 +502,7 @@
           <a:p>
             <a:fld id="{F7066CC2-678E-4E0D-AD7C-1B37B038EC65}" type="slidenum">
               <a:rPr lang="pt-BR" smtClean="0"/>
+              <a:pPr/>
               <a:t>‹nº›</a:t>
             </a:fld>
             <a:endParaRPr lang="pt-BR"/>
@@ -629,6 +636,7 @@
           <a:p>
             <a:fld id="{8AEB9755-F382-4202-8C55-D1BAF1E3A26B}" type="datetimeFigureOut">
               <a:rPr lang="pt-BR" smtClean="0"/>
+              <a:pPr/>
               <a:t>31/03/2014</a:t>
             </a:fld>
             <a:endParaRPr lang="pt-BR"/>
@@ -671,6 +679,7 @@
           <a:p>
             <a:fld id="{F7066CC2-678E-4E0D-AD7C-1B37B038EC65}" type="slidenum">
               <a:rPr lang="pt-BR" smtClean="0"/>
+              <a:pPr/>
               <a:t>‹nº›</a:t>
             </a:fld>
             <a:endParaRPr lang="pt-BR"/>
@@ -794,6 +803,7 @@
           <a:p>
             <a:fld id="{8AEB9755-F382-4202-8C55-D1BAF1E3A26B}" type="datetimeFigureOut">
               <a:rPr lang="pt-BR" smtClean="0"/>
+              <a:pPr/>
               <a:t>31/03/2014</a:t>
             </a:fld>
             <a:endParaRPr lang="pt-BR"/>
@@ -836,6 +846,7 @@
           <a:p>
             <a:fld id="{F7066CC2-678E-4E0D-AD7C-1B37B038EC65}" type="slidenum">
               <a:rPr lang="pt-BR" smtClean="0"/>
+              <a:pPr/>
               <a:t>‹nº›</a:t>
             </a:fld>
             <a:endParaRPr lang="pt-BR"/>
@@ -1035,6 +1046,7 @@
           <a:p>
             <a:fld id="{8AEB9755-F382-4202-8C55-D1BAF1E3A26B}" type="datetimeFigureOut">
               <a:rPr lang="pt-BR" smtClean="0"/>
+              <a:pPr/>
               <a:t>31/03/2014</a:t>
             </a:fld>
             <a:endParaRPr lang="pt-BR"/>
@@ -1077,6 +1089,7 @@
           <a:p>
             <a:fld id="{F7066CC2-678E-4E0D-AD7C-1B37B038EC65}" type="slidenum">
               <a:rPr lang="pt-BR" smtClean="0"/>
+              <a:pPr/>
               <a:t>‹nº›</a:t>
             </a:fld>
             <a:endParaRPr lang="pt-BR"/>
@@ -1318,6 +1331,7 @@
           <a:p>
             <a:fld id="{8AEB9755-F382-4202-8C55-D1BAF1E3A26B}" type="datetimeFigureOut">
               <a:rPr lang="pt-BR" smtClean="0"/>
+              <a:pPr/>
               <a:t>31/03/2014</a:t>
             </a:fld>
             <a:endParaRPr lang="pt-BR"/>
@@ -1360,6 +1374,7 @@
           <a:p>
             <a:fld id="{F7066CC2-678E-4E0D-AD7C-1B37B038EC65}" type="slidenum">
               <a:rPr lang="pt-BR" smtClean="0"/>
+              <a:pPr/>
               <a:t>‹nº›</a:t>
             </a:fld>
             <a:endParaRPr lang="pt-BR"/>
@@ -1735,6 +1750,7 @@
           <a:p>
             <a:fld id="{8AEB9755-F382-4202-8C55-D1BAF1E3A26B}" type="datetimeFigureOut">
               <a:rPr lang="pt-BR" smtClean="0"/>
+              <a:pPr/>
               <a:t>31/03/2014</a:t>
             </a:fld>
             <a:endParaRPr lang="pt-BR"/>
@@ -1777,6 +1793,7 @@
           <a:p>
             <a:fld id="{F7066CC2-678E-4E0D-AD7C-1B37B038EC65}" type="slidenum">
               <a:rPr lang="pt-BR" smtClean="0"/>
+              <a:pPr/>
               <a:t>‹nº›</a:t>
             </a:fld>
             <a:endParaRPr lang="pt-BR"/>
@@ -1848,6 +1865,7 @@
           <a:p>
             <a:fld id="{8AEB9755-F382-4202-8C55-D1BAF1E3A26B}" type="datetimeFigureOut">
               <a:rPr lang="pt-BR" smtClean="0"/>
+              <a:pPr/>
               <a:t>31/03/2014</a:t>
             </a:fld>
             <a:endParaRPr lang="pt-BR"/>
@@ -1890,6 +1908,7 @@
           <a:p>
             <a:fld id="{F7066CC2-678E-4E0D-AD7C-1B37B038EC65}" type="slidenum">
               <a:rPr lang="pt-BR" smtClean="0"/>
+              <a:pPr/>
               <a:t>‹nº›</a:t>
             </a:fld>
             <a:endParaRPr lang="pt-BR"/>
@@ -1938,6 +1957,7 @@
           <a:p>
             <a:fld id="{8AEB9755-F382-4202-8C55-D1BAF1E3A26B}" type="datetimeFigureOut">
               <a:rPr lang="pt-BR" smtClean="0"/>
+              <a:pPr/>
               <a:t>31/03/2014</a:t>
             </a:fld>
             <a:endParaRPr lang="pt-BR"/>
@@ -1980,6 +2000,7 @@
           <a:p>
             <a:fld id="{F7066CC2-678E-4E0D-AD7C-1B37B038EC65}" type="slidenum">
               <a:rPr lang="pt-BR" smtClean="0"/>
+              <a:pPr/>
               <a:t>‹nº›</a:t>
             </a:fld>
             <a:endParaRPr lang="pt-BR"/>
@@ -2210,6 +2231,7 @@
           <a:p>
             <a:fld id="{8AEB9755-F382-4202-8C55-D1BAF1E3A26B}" type="datetimeFigureOut">
               <a:rPr lang="pt-BR" smtClean="0"/>
+              <a:pPr/>
               <a:t>31/03/2014</a:t>
             </a:fld>
             <a:endParaRPr lang="pt-BR"/>
@@ -2252,6 +2274,7 @@
           <a:p>
             <a:fld id="{F7066CC2-678E-4E0D-AD7C-1B37B038EC65}" type="slidenum">
               <a:rPr lang="pt-BR" smtClean="0"/>
+              <a:pPr/>
               <a:t>‹nº›</a:t>
             </a:fld>
             <a:endParaRPr lang="pt-BR"/>
@@ -2458,6 +2481,7 @@
           <a:p>
             <a:fld id="{8AEB9755-F382-4202-8C55-D1BAF1E3A26B}" type="datetimeFigureOut">
               <a:rPr lang="pt-BR" smtClean="0"/>
+              <a:pPr/>
               <a:t>31/03/2014</a:t>
             </a:fld>
             <a:endParaRPr lang="pt-BR"/>
@@ -2500,6 +2524,7 @@
           <a:p>
             <a:fld id="{F7066CC2-678E-4E0D-AD7C-1B37B038EC65}" type="slidenum">
               <a:rPr lang="pt-BR" smtClean="0"/>
+              <a:pPr/>
               <a:t>‹nº›</a:t>
             </a:fld>
             <a:endParaRPr lang="pt-BR"/>
@@ -2666,6 +2691,7 @@
           <a:p>
             <a:fld id="{8AEB9755-F382-4202-8C55-D1BAF1E3A26B}" type="datetimeFigureOut">
               <a:rPr lang="pt-BR" smtClean="0"/>
+              <a:pPr/>
               <a:t>31/03/2014</a:t>
             </a:fld>
             <a:endParaRPr lang="pt-BR"/>
@@ -2744,6 +2770,7 @@
           <a:p>
             <a:fld id="{F7066CC2-678E-4E0D-AD7C-1B37B038EC65}" type="slidenum">
               <a:rPr lang="pt-BR" smtClean="0"/>
+              <a:pPr/>
               <a:t>‹nº›</a:t>
             </a:fld>
             <a:endParaRPr lang="pt-BR"/>
@@ -3396,6 +3423,188 @@
           <a:p>
             <a:endParaRPr lang="pt-BR" dirty="0"/>
           </a:p>
+          <a:p>
+            <a:endParaRPr lang="pt-BR" dirty="0"/>
+          </a:p>
+        </p:txBody>
+      </p:sp>
+    </p:spTree>
+  </p:cSld>
+  <p:clrMapOvr>
+    <a:masterClrMapping/>
+  </p:clrMapOvr>
+</p:sld>
+</file>
+
+<file path=ppt/slides/slide3.xml><?xml version="1.0" encoding="utf-8"?>
+<p:sld xmlns:a="http://schemas.openxmlformats.org/drawingml/2006/main" xmlns:r="http://schemas.openxmlformats.org/officeDocument/2006/relationships" xmlns:p="http://schemas.openxmlformats.org/presentationml/2006/main">
+  <p:cSld>
+    <p:spTree>
+      <p:nvGrpSpPr>
+        <p:cNvPr id="1" name=""/>
+        <p:cNvGrpSpPr/>
+        <p:nvPr/>
+      </p:nvGrpSpPr>
+      <p:grpSpPr>
+        <a:xfrm>
+          <a:off x="0" y="0"/>
+          <a:ext cx="0" cy="0"/>
+          <a:chOff x="0" y="0"/>
+          <a:chExt cx="0" cy="0"/>
+        </a:xfrm>
+      </p:grpSpPr>
+      <p:sp>
+        <p:nvSpPr>
+          <p:cNvPr id="2" name="Título 1"/>
+          <p:cNvSpPr>
+            <a:spLocks noGrp="1"/>
+          </p:cNvSpPr>
+          <p:nvPr>
+            <p:ph type="title"/>
+          </p:nvPr>
+        </p:nvSpPr>
+        <p:spPr/>
+        <p:txBody>
+          <a:bodyPr/>
+          <a:lstStyle/>
+          <a:p>
+            <a:r>
+              <a:rPr lang="pt-BR" dirty="0" smtClean="0"/>
+              <a:t>Requisitos do Domínio</a:t>
+            </a:r>
+            <a:endParaRPr lang="pt-BR" dirty="0"/>
+          </a:p>
+        </p:txBody>
+      </p:sp>
+    </p:spTree>
+  </p:cSld>
+  <p:clrMapOvr>
+    <a:masterClrMapping/>
+  </p:clrMapOvr>
+</p:sld>
+</file>
+
+<file path=ppt/slides/slide4.xml><?xml version="1.0" encoding="utf-8"?>
+<p:sld xmlns:a="http://schemas.openxmlformats.org/drawingml/2006/main" xmlns:r="http://schemas.openxmlformats.org/officeDocument/2006/relationships" xmlns:p="http://schemas.openxmlformats.org/presentationml/2006/main">
+  <p:cSld>
+    <p:spTree>
+      <p:nvGrpSpPr>
+        <p:cNvPr id="1" name=""/>
+        <p:cNvGrpSpPr/>
+        <p:nvPr/>
+      </p:nvGrpSpPr>
+      <p:grpSpPr>
+        <a:xfrm>
+          <a:off x="0" y="0"/>
+          <a:ext cx="0" cy="0"/>
+          <a:chOff x="0" y="0"/>
+          <a:chExt cx="0" cy="0"/>
+        </a:xfrm>
+      </p:grpSpPr>
+      <p:sp>
+        <p:nvSpPr>
+          <p:cNvPr id="2" name="Título 1"/>
+          <p:cNvSpPr>
+            <a:spLocks noGrp="1"/>
+          </p:cNvSpPr>
+          <p:nvPr>
+            <p:ph type="title"/>
+          </p:nvPr>
+        </p:nvSpPr>
+        <p:spPr/>
+        <p:txBody>
+          <a:bodyPr/>
+          <a:lstStyle/>
+          <a:p>
+            <a:r>
+              <a:rPr lang="pt-BR" dirty="0" smtClean="0"/>
+              <a:t>Levantamento dos Conceitos</a:t>
+            </a:r>
+            <a:endParaRPr lang="pt-BR" dirty="0"/>
+          </a:p>
+        </p:txBody>
+      </p:sp>
+      <p:sp>
+        <p:nvSpPr>
+          <p:cNvPr id="3" name="Espaço Reservado para Conteúdo 2"/>
+          <p:cNvSpPr>
+            <a:spLocks noGrp="1"/>
+          </p:cNvSpPr>
+          <p:nvPr>
+            <p:ph idx="1"/>
+          </p:nvPr>
+        </p:nvSpPr>
+        <p:spPr/>
+        <p:txBody>
+          <a:bodyPr/>
+          <a:lstStyle/>
+          <a:p>
+            <a:endParaRPr lang="pt-BR" dirty="0"/>
+          </a:p>
+        </p:txBody>
+      </p:sp>
+    </p:spTree>
+  </p:cSld>
+  <p:clrMapOvr>
+    <a:masterClrMapping/>
+  </p:clrMapOvr>
+</p:sld>
+</file>
+
+<file path=ppt/slides/slide5.xml><?xml version="1.0" encoding="utf-8"?>
+<p:sld xmlns:a="http://schemas.openxmlformats.org/drawingml/2006/main" xmlns:r="http://schemas.openxmlformats.org/officeDocument/2006/relationships" xmlns:p="http://schemas.openxmlformats.org/presentationml/2006/main">
+  <p:cSld>
+    <p:spTree>
+      <p:nvGrpSpPr>
+        <p:cNvPr id="1" name=""/>
+        <p:cNvGrpSpPr/>
+        <p:nvPr/>
+      </p:nvGrpSpPr>
+      <p:grpSpPr>
+        <a:xfrm>
+          <a:off x="0" y="0"/>
+          <a:ext cx="0" cy="0"/>
+          <a:chOff x="0" y="0"/>
+          <a:chExt cx="0" cy="0"/>
+        </a:xfrm>
+      </p:grpSpPr>
+      <p:sp>
+        <p:nvSpPr>
+          <p:cNvPr id="2" name="Título 1"/>
+          <p:cNvSpPr>
+            <a:spLocks noGrp="1"/>
+          </p:cNvSpPr>
+          <p:nvPr>
+            <p:ph type="title"/>
+          </p:nvPr>
+        </p:nvSpPr>
+        <p:spPr/>
+        <p:txBody>
+          <a:bodyPr/>
+          <a:lstStyle/>
+          <a:p>
+            <a:r>
+              <a:rPr lang="pt-BR" dirty="0" smtClean="0"/>
+              <a:t>Tipos Primitivos</a:t>
+            </a:r>
+            <a:endParaRPr lang="pt-BR" dirty="0"/>
+          </a:p>
+        </p:txBody>
+      </p:sp>
+      <p:sp>
+        <p:nvSpPr>
+          <p:cNvPr id="3" name="Espaço Reservado para Conteúdo 2"/>
+          <p:cNvSpPr>
+            <a:spLocks noGrp="1"/>
+          </p:cNvSpPr>
+          <p:nvPr>
+            <p:ph idx="1"/>
+          </p:nvPr>
+        </p:nvSpPr>
+        <p:spPr/>
+        <p:txBody>
+          <a:bodyPr/>
+          <a:lstStyle/>
           <a:p>
             <a:endParaRPr lang="pt-BR" dirty="0"/>
           </a:p>
